--- a/Map.pptx
+++ b/Map.pptx
@@ -244,7 +244,7 @@
           <a:p>
             <a:fld id="{96EE427C-90B7-4C40-B648-5CBBE7989927}" type="datetimeFigureOut">
               <a:rPr lang="en-ID" smtClean="0"/>
-              <a:t>02/01/2025</a:t>
+              <a:t>07/01/2025</a:t>
             </a:fld>
             <a:endParaRPr lang="en-ID"/>
           </a:p>
@@ -414,7 +414,7 @@
           <a:p>
             <a:fld id="{96EE427C-90B7-4C40-B648-5CBBE7989927}" type="datetimeFigureOut">
               <a:rPr lang="en-ID" smtClean="0"/>
-              <a:t>02/01/2025</a:t>
+              <a:t>07/01/2025</a:t>
             </a:fld>
             <a:endParaRPr lang="en-ID"/>
           </a:p>
@@ -594,7 +594,7 @@
           <a:p>
             <a:fld id="{96EE427C-90B7-4C40-B648-5CBBE7989927}" type="datetimeFigureOut">
               <a:rPr lang="en-ID" smtClean="0"/>
-              <a:t>02/01/2025</a:t>
+              <a:t>07/01/2025</a:t>
             </a:fld>
             <a:endParaRPr lang="en-ID"/>
           </a:p>
@@ -764,7 +764,7 @@
           <a:p>
             <a:fld id="{96EE427C-90B7-4C40-B648-5CBBE7989927}" type="datetimeFigureOut">
               <a:rPr lang="en-ID" smtClean="0"/>
-              <a:t>02/01/2025</a:t>
+              <a:t>07/01/2025</a:t>
             </a:fld>
             <a:endParaRPr lang="en-ID"/>
           </a:p>
@@ -1010,7 +1010,7 @@
           <a:p>
             <a:fld id="{96EE427C-90B7-4C40-B648-5CBBE7989927}" type="datetimeFigureOut">
               <a:rPr lang="en-ID" smtClean="0"/>
-              <a:t>02/01/2025</a:t>
+              <a:t>07/01/2025</a:t>
             </a:fld>
             <a:endParaRPr lang="en-ID"/>
           </a:p>
@@ -1242,7 +1242,7 @@
           <a:p>
             <a:fld id="{96EE427C-90B7-4C40-B648-5CBBE7989927}" type="datetimeFigureOut">
               <a:rPr lang="en-ID" smtClean="0"/>
-              <a:t>02/01/2025</a:t>
+              <a:t>07/01/2025</a:t>
             </a:fld>
             <a:endParaRPr lang="en-ID"/>
           </a:p>
@@ -1609,7 +1609,7 @@
           <a:p>
             <a:fld id="{96EE427C-90B7-4C40-B648-5CBBE7989927}" type="datetimeFigureOut">
               <a:rPr lang="en-ID" smtClean="0"/>
-              <a:t>02/01/2025</a:t>
+              <a:t>07/01/2025</a:t>
             </a:fld>
             <a:endParaRPr lang="en-ID"/>
           </a:p>
@@ -1727,7 +1727,7 @@
           <a:p>
             <a:fld id="{96EE427C-90B7-4C40-B648-5CBBE7989927}" type="datetimeFigureOut">
               <a:rPr lang="en-ID" smtClean="0"/>
-              <a:t>02/01/2025</a:t>
+              <a:t>07/01/2025</a:t>
             </a:fld>
             <a:endParaRPr lang="en-ID"/>
           </a:p>
@@ -1822,7 +1822,7 @@
           <a:p>
             <a:fld id="{96EE427C-90B7-4C40-B648-5CBBE7989927}" type="datetimeFigureOut">
               <a:rPr lang="en-ID" smtClean="0"/>
-              <a:t>02/01/2025</a:t>
+              <a:t>07/01/2025</a:t>
             </a:fld>
             <a:endParaRPr lang="en-ID"/>
           </a:p>
@@ -2099,7 +2099,7 @@
           <a:p>
             <a:fld id="{96EE427C-90B7-4C40-B648-5CBBE7989927}" type="datetimeFigureOut">
               <a:rPr lang="en-ID" smtClean="0"/>
-              <a:t>02/01/2025</a:t>
+              <a:t>07/01/2025</a:t>
             </a:fld>
             <a:endParaRPr lang="en-ID"/>
           </a:p>
@@ -2356,7 +2356,7 @@
           <a:p>
             <a:fld id="{96EE427C-90B7-4C40-B648-5CBBE7989927}" type="datetimeFigureOut">
               <a:rPr lang="en-ID" smtClean="0"/>
-              <a:t>02/01/2025</a:t>
+              <a:t>07/01/2025</a:t>
             </a:fld>
             <a:endParaRPr lang="en-ID"/>
           </a:p>
@@ -2569,7 +2569,7 @@
           <a:p>
             <a:fld id="{96EE427C-90B7-4C40-B648-5CBBE7989927}" type="datetimeFigureOut">
               <a:rPr lang="en-ID" smtClean="0"/>
-              <a:t>02/01/2025</a:t>
+              <a:t>07/01/2025</a:t>
             </a:fld>
             <a:endParaRPr lang="en-ID"/>
           </a:p>
@@ -3975,58 +3975,6 @@
       </p:sp>
       <p:sp>
         <p:nvSpPr>
-          <p:cNvPr id="37" name="Rectangle 36">
-            <a:extLst>
-              <a:ext uri="{FF2B5EF4-FFF2-40B4-BE49-F238E27FC236}">
-                <a16:creationId xmlns:a16="http://schemas.microsoft.com/office/drawing/2014/main" id="{40E44682-5EA5-8AD9-7118-EBB12C11555E}"/>
-              </a:ext>
-            </a:extLst>
-          </p:cNvPr>
-          <p:cNvSpPr/>
-          <p:nvPr/>
-        </p:nvSpPr>
-        <p:spPr>
-          <a:xfrm>
-            <a:off x="1800000" y="1890000"/>
-            <a:ext cx="5400000" cy="9900000"/>
-          </a:xfrm>
-          <a:prstGeom prst="rect">
-            <a:avLst/>
-          </a:prstGeom>
-          <a:solidFill>
-            <a:schemeClr val="tx1"/>
-          </a:solidFill>
-          <a:ln>
-            <a:noFill/>
-          </a:ln>
-        </p:spPr>
-        <p:style>
-          <a:lnRef idx="2">
-            <a:schemeClr val="accent1">
-              <a:shade val="15000"/>
-            </a:schemeClr>
-          </a:lnRef>
-          <a:fillRef idx="1">
-            <a:schemeClr val="accent1"/>
-          </a:fillRef>
-          <a:effectRef idx="0">
-            <a:schemeClr val="accent1"/>
-          </a:effectRef>
-          <a:fontRef idx="minor">
-            <a:schemeClr val="lt1"/>
-          </a:fontRef>
-        </p:style>
-        <p:txBody>
-          <a:bodyPr rtlCol="0" anchor="ctr"/>
-          <a:lstStyle/>
-          <a:p>
-            <a:pPr algn="ctr"/>
-            <a:endParaRPr lang="en-ID"/>
-          </a:p>
-        </p:txBody>
-      </p:sp>
-      <p:sp>
-        <p:nvSpPr>
           <p:cNvPr id="38" name="Rectangle 37">
             <a:extLst>
               <a:ext uri="{FF2B5EF4-FFF2-40B4-BE49-F238E27FC236}">
@@ -4039,8 +3987,8 @@
         </p:nvSpPr>
         <p:spPr>
           <a:xfrm>
-            <a:off x="10800000" y="17010000"/>
-            <a:ext cx="5400000" cy="6300000"/>
+            <a:off x="10577782" y="17010000"/>
+            <a:ext cx="5844436" cy="6660000"/>
           </a:xfrm>
           <a:prstGeom prst="rect">
             <a:avLst/>
@@ -4143,8 +4091,8 @@
         </p:nvSpPr>
         <p:spPr>
           <a:xfrm>
-            <a:off x="11700000" y="4590000"/>
-            <a:ext cx="3600000" cy="5400000"/>
+            <a:off x="11700000" y="3330000"/>
+            <a:ext cx="3600000" cy="6660000"/>
           </a:xfrm>
           <a:prstGeom prst="rect">
             <a:avLst/>
@@ -4195,8 +4143,8 @@
         </p:nvSpPr>
         <p:spPr>
           <a:xfrm>
-            <a:off x="20700200" y="15300100"/>
-            <a:ext cx="3600000" cy="11429950"/>
+            <a:off x="19980068" y="14630401"/>
+            <a:ext cx="5040264" cy="12099650"/>
           </a:xfrm>
           <a:prstGeom prst="rect">
             <a:avLst/>
@@ -4247,8 +4195,60 @@
         </p:nvSpPr>
         <p:spPr>
           <a:xfrm>
-            <a:off x="20700200" y="270000"/>
-            <a:ext cx="3600000" cy="11429950"/>
+            <a:off x="19980068" y="269999"/>
+            <a:ext cx="5040264" cy="12099800"/>
+          </a:xfrm>
+          <a:prstGeom prst="rect">
+            <a:avLst/>
+          </a:prstGeom>
+          <a:solidFill>
+            <a:schemeClr val="tx1"/>
+          </a:solidFill>
+          <a:ln>
+            <a:noFill/>
+          </a:ln>
+        </p:spPr>
+        <p:style>
+          <a:lnRef idx="2">
+            <a:schemeClr val="accent1">
+              <a:shade val="15000"/>
+            </a:schemeClr>
+          </a:lnRef>
+          <a:fillRef idx="1">
+            <a:schemeClr val="accent1"/>
+          </a:fillRef>
+          <a:effectRef idx="0">
+            <a:schemeClr val="accent1"/>
+          </a:effectRef>
+          <a:fontRef idx="minor">
+            <a:schemeClr val="lt1"/>
+          </a:fontRef>
+        </p:style>
+        <p:txBody>
+          <a:bodyPr rtlCol="0" anchor="ctr"/>
+          <a:lstStyle/>
+          <a:p>
+            <a:pPr algn="ctr"/>
+            <a:endParaRPr lang="en-ID"/>
+          </a:p>
+        </p:txBody>
+      </p:sp>
+      <p:sp>
+        <p:nvSpPr>
+          <p:cNvPr id="3" name="Rectangle 2">
+            <a:extLst>
+              <a:ext uri="{FF2B5EF4-FFF2-40B4-BE49-F238E27FC236}">
+                <a16:creationId xmlns:a16="http://schemas.microsoft.com/office/drawing/2014/main" id="{24CB9A25-43DB-C3C0-CD3D-9848C58FCAF4}"/>
+              </a:ext>
+            </a:extLst>
+          </p:cNvPr>
+          <p:cNvSpPr/>
+          <p:nvPr/>
+        </p:nvSpPr>
+        <p:spPr>
+          <a:xfrm>
+            <a:off x="1979767" y="269999"/>
+            <a:ext cx="5040266" cy="12099800"/>
           </a:xfrm>
           <a:prstGeom prst="rect">
             <a:avLst/>
@@ -4317,7 +4317,7 @@
       </p:grpSpPr>
       <p:pic>
         <p:nvPicPr>
-          <p:cNvPr id="3" name="Picture 2" descr="A black and white rectangular object&#10;&#10;Description automatically generated">
+          <p:cNvPr id="3" name="Picture 2">
             <a:extLst>
               <a:ext uri="{FF2B5EF4-FFF2-40B4-BE49-F238E27FC236}">
                 <a16:creationId xmlns:a16="http://schemas.microsoft.com/office/drawing/2014/main" id="{5B8FE3C9-4C3B-8AA3-1C2A-9554AC84A058}"/>
@@ -4337,9 +4337,8 @@
               </a:ext>
             </a:extLst>
           </a:blip>
-          <a:stretch>
-            <a:fillRect/>
-          </a:stretch>
+          <a:srcRect/>
+          <a:stretch/>
         </p:blipFill>
         <p:spPr>
           <a:xfrm>
